--- a/3 курс/5 семестр/Моделирование бизнес-процессов/Практическое занятие 14/Гришин А.В. ИКБО-11-22. Практическая работа 14.pptx
+++ b/3 курс/5 семестр/Моделирование бизнес-процессов/Практическое занятие 14/Гришин А.В. ИКБО-11-22. Практическая работа 14.pptx
@@ -108,6 +108,11 @@
       </a:defRPr>
     </a:lvl9pPr>
   </p:defaultTextStyle>
+  <p:extLst>
+    <p:ext uri="{EFAFB233-063F-42B5-8137-9DF3F51BA10A}">
+      <p15:sldGuideLst xmlns:p15="http://schemas.microsoft.com/office/powerpoint/2012/main"/>
+    </p:ext>
+  </p:extLst>
 </p:presentation>
 </file>
 
@@ -4070,14 +4075,13 @@
               </a:ext>
             </a:extLst>
           </a:blip>
-          <a:stretch>
-            <a:fillRect/>
-          </a:stretch>
+          <a:srcRect/>
+          <a:stretch/>
         </p:blipFill>
         <p:spPr>
           <a:xfrm>
-            <a:off x="2119080" y="1825625"/>
-            <a:ext cx="7953840" cy="4351338"/>
+            <a:off x="2119080" y="1831074"/>
+            <a:ext cx="7953840" cy="4340440"/>
           </a:xfrm>
           <a:prstGeom prst="rect">
             <a:avLst/>
